--- a/docs/diagrams/GoToSequenceDiagram.pptx
+++ b/docs/diagrams/GoToSequenceDiagram.pptx
@@ -104,6 +104,11 @@
       </a:defRPr>
     </a:lvl9pPr>
   </p:defaultTextStyle>
+  <p:extLst>
+    <p:ext uri="{EFAFB233-063F-42B5-8137-9DF3F51BA10A}">
+      <p15:sldGuideLst xmlns:p15="http://schemas.microsoft.com/office/powerpoint/2012/main"/>
+    </p:ext>
+  </p:extLst>
 </p:presentation>
 </file>
 
@@ -254,7 +259,7 @@
           <a:p>
             <a:fld id="{BC23C08D-2835-B649-8103-F422BF71E011}" type="datetimeFigureOut">
               <a:rPr lang="en-US" smtClean="0"/>
-              <a:t>11/10/18</a:t>
+              <a:t>11/11/18</a:t>
             </a:fld>
             <a:endParaRPr lang="en-US"/>
           </a:p>
@@ -452,7 +457,7 @@
           <a:p>
             <a:fld id="{BC23C08D-2835-B649-8103-F422BF71E011}" type="datetimeFigureOut">
               <a:rPr lang="en-US" smtClean="0"/>
-              <a:t>11/10/18</a:t>
+              <a:t>11/11/18</a:t>
             </a:fld>
             <a:endParaRPr lang="en-US"/>
           </a:p>
@@ -660,7 +665,7 @@
           <a:p>
             <a:fld id="{BC23C08D-2835-B649-8103-F422BF71E011}" type="datetimeFigureOut">
               <a:rPr lang="en-US" smtClean="0"/>
-              <a:t>11/10/18</a:t>
+              <a:t>11/11/18</a:t>
             </a:fld>
             <a:endParaRPr lang="en-US"/>
           </a:p>
@@ -858,7 +863,7 @@
           <a:p>
             <a:fld id="{BC23C08D-2835-B649-8103-F422BF71E011}" type="datetimeFigureOut">
               <a:rPr lang="en-US" smtClean="0"/>
-              <a:t>11/10/18</a:t>
+              <a:t>11/11/18</a:t>
             </a:fld>
             <a:endParaRPr lang="en-US"/>
           </a:p>
@@ -1133,7 +1138,7 @@
           <a:p>
             <a:fld id="{BC23C08D-2835-B649-8103-F422BF71E011}" type="datetimeFigureOut">
               <a:rPr lang="en-US" smtClean="0"/>
-              <a:t>11/10/18</a:t>
+              <a:t>11/11/18</a:t>
             </a:fld>
             <a:endParaRPr lang="en-US"/>
           </a:p>
@@ -1398,7 +1403,7 @@
           <a:p>
             <a:fld id="{BC23C08D-2835-B649-8103-F422BF71E011}" type="datetimeFigureOut">
               <a:rPr lang="en-US" smtClean="0"/>
-              <a:t>11/10/18</a:t>
+              <a:t>11/11/18</a:t>
             </a:fld>
             <a:endParaRPr lang="en-US"/>
           </a:p>
@@ -1810,7 +1815,7 @@
           <a:p>
             <a:fld id="{BC23C08D-2835-B649-8103-F422BF71E011}" type="datetimeFigureOut">
               <a:rPr lang="en-US" smtClean="0"/>
-              <a:t>11/10/18</a:t>
+              <a:t>11/11/18</a:t>
             </a:fld>
             <a:endParaRPr lang="en-US"/>
           </a:p>
@@ -1951,7 +1956,7 @@
           <a:p>
             <a:fld id="{BC23C08D-2835-B649-8103-F422BF71E011}" type="datetimeFigureOut">
               <a:rPr lang="en-US" smtClean="0"/>
-              <a:t>11/10/18</a:t>
+              <a:t>11/11/18</a:t>
             </a:fld>
             <a:endParaRPr lang="en-US"/>
           </a:p>
@@ -2064,7 +2069,7 @@
           <a:p>
             <a:fld id="{BC23C08D-2835-B649-8103-F422BF71E011}" type="datetimeFigureOut">
               <a:rPr lang="en-US" smtClean="0"/>
-              <a:t>11/10/18</a:t>
+              <a:t>11/11/18</a:t>
             </a:fld>
             <a:endParaRPr lang="en-US"/>
           </a:p>
@@ -2375,7 +2380,7 @@
           <a:p>
             <a:fld id="{BC23C08D-2835-B649-8103-F422BF71E011}" type="datetimeFigureOut">
               <a:rPr lang="en-US" smtClean="0"/>
-              <a:t>11/10/18</a:t>
+              <a:t>11/11/18</a:t>
             </a:fld>
             <a:endParaRPr lang="en-US"/>
           </a:p>
@@ -2663,7 +2668,7 @@
           <a:p>
             <a:fld id="{BC23C08D-2835-B649-8103-F422BF71E011}" type="datetimeFigureOut">
               <a:rPr lang="en-US" smtClean="0"/>
-              <a:t>11/10/18</a:t>
+              <a:t>11/11/18</a:t>
             </a:fld>
             <a:endParaRPr lang="en-US"/>
           </a:p>
@@ -2904,7 +2909,7 @@
           <a:p>
             <a:fld id="{BC23C08D-2835-B649-8103-F422BF71E011}" type="datetimeFigureOut">
               <a:rPr lang="en-US" smtClean="0"/>
-              <a:t>11/10/18</a:t>
+              <a:t>11/11/18</a:t>
             </a:fld>
             <a:endParaRPr lang="en-US"/>
           </a:p>
@@ -3411,10 +3416,7 @@
             </a:avLst>
           </a:prstGeom>
           <a:solidFill>
-            <a:schemeClr val="accent2">
-              <a:lumMod val="20000"/>
-              <a:lumOff val="80000"/>
-            </a:schemeClr>
+            <a:srgbClr val="B4D1D9"/>
           </a:solidFill>
           <a:ln w="19050">
             <a:noFill/>
@@ -3442,14 +3444,14 @@
             <a:r>
               <a:rPr lang="en-US" sz="1200" b="1" dirty="0">
                 <a:solidFill>
-                  <a:schemeClr val="accent2"/>
+                  <a:srgbClr val="30869C"/>
                 </a:solidFill>
               </a:rPr>
               <a:t>Common</a:t>
             </a:r>
             <a:endParaRPr lang="en-SG" sz="1200" b="1" dirty="0">
               <a:solidFill>
-                <a:schemeClr val="accent2"/>
+                <a:srgbClr val="30869C"/>
               </a:solidFill>
             </a:endParaRPr>
           </a:p>
@@ -5348,11 +5350,11 @@
             <a:avLst/>
           </a:prstGeom>
           <a:solidFill>
-            <a:schemeClr val="accent2"/>
+            <a:srgbClr val="30869C"/>
           </a:solidFill>
           <a:ln>
             <a:solidFill>
-              <a:schemeClr val="accent2"/>
+              <a:srgbClr val="30869C"/>
             </a:solidFill>
           </a:ln>
         </p:spPr>
@@ -5413,7 +5415,7 @@
           </a:prstGeom>
           <a:ln w="19050">
             <a:solidFill>
-              <a:schemeClr val="accent2"/>
+              <a:srgbClr val="30869C"/>
             </a:solidFill>
             <a:prstDash val="sysDash"/>
           </a:ln>
@@ -5455,11 +5457,11 @@
             <a:avLst/>
           </a:prstGeom>
           <a:solidFill>
-            <a:schemeClr val="accent2"/>
+            <a:srgbClr val="30869C"/>
           </a:solidFill>
           <a:ln>
             <a:solidFill>
-              <a:schemeClr val="accent2"/>
+              <a:srgbClr val="30869C"/>
             </a:solidFill>
           </a:ln>
         </p:spPr>
@@ -5531,7 +5533,7 @@
             <a:r>
               <a:rPr lang="en-US" dirty="0">
                 <a:solidFill>
-                  <a:schemeClr val="accent2"/>
+                  <a:srgbClr val="30869C"/>
                 </a:solidFill>
               </a:rPr>
               <a:t>post(</a:t>
@@ -5539,7 +5541,7 @@
             <a:r>
               <a:rPr lang="en-US" dirty="0" err="1">
                 <a:solidFill>
-                  <a:schemeClr val="accent2"/>
+                  <a:srgbClr val="30869C"/>
                 </a:solidFill>
               </a:rPr>
               <a:t>GoToEvent</a:t>
@@ -5547,7 +5549,7 @@
             <a:r>
               <a:rPr lang="en-US" dirty="0">
                 <a:solidFill>
-                  <a:schemeClr val="accent2"/>
+                  <a:srgbClr val="30869C"/>
                 </a:solidFill>
               </a:rPr>
               <a:t>)</a:t>
@@ -5579,7 +5581,7 @@
           </a:prstGeom>
           <a:ln w="19050">
             <a:solidFill>
-              <a:schemeClr val="accent2"/>
+              <a:srgbClr val="30869C"/>
             </a:solidFill>
             <a:tailEnd type="arrow"/>
           </a:ln>

--- a/docs/diagrams/GoToSequenceDiagram.pptx
+++ b/docs/diagrams/GoToSequenceDiagram.pptx
@@ -259,7 +259,7 @@
           <a:p>
             <a:fld id="{BC23C08D-2835-B649-8103-F422BF71E011}" type="datetimeFigureOut">
               <a:rPr lang="en-US" smtClean="0"/>
-              <a:t>11/11/18</a:t>
+              <a:t>11/12/18</a:t>
             </a:fld>
             <a:endParaRPr lang="en-US"/>
           </a:p>
@@ -457,7 +457,7 @@
           <a:p>
             <a:fld id="{BC23C08D-2835-B649-8103-F422BF71E011}" type="datetimeFigureOut">
               <a:rPr lang="en-US" smtClean="0"/>
-              <a:t>11/11/18</a:t>
+              <a:t>11/12/18</a:t>
             </a:fld>
             <a:endParaRPr lang="en-US"/>
           </a:p>
@@ -665,7 +665,7 @@
           <a:p>
             <a:fld id="{BC23C08D-2835-B649-8103-F422BF71E011}" type="datetimeFigureOut">
               <a:rPr lang="en-US" smtClean="0"/>
-              <a:t>11/11/18</a:t>
+              <a:t>11/12/18</a:t>
             </a:fld>
             <a:endParaRPr lang="en-US"/>
           </a:p>
@@ -863,7 +863,7 @@
           <a:p>
             <a:fld id="{BC23C08D-2835-B649-8103-F422BF71E011}" type="datetimeFigureOut">
               <a:rPr lang="en-US" smtClean="0"/>
-              <a:t>11/11/18</a:t>
+              <a:t>11/12/18</a:t>
             </a:fld>
             <a:endParaRPr lang="en-US"/>
           </a:p>
@@ -1138,7 +1138,7 @@
           <a:p>
             <a:fld id="{BC23C08D-2835-B649-8103-F422BF71E011}" type="datetimeFigureOut">
               <a:rPr lang="en-US" smtClean="0"/>
-              <a:t>11/11/18</a:t>
+              <a:t>11/12/18</a:t>
             </a:fld>
             <a:endParaRPr lang="en-US"/>
           </a:p>
@@ -1403,7 +1403,7 @@
           <a:p>
             <a:fld id="{BC23C08D-2835-B649-8103-F422BF71E011}" type="datetimeFigureOut">
               <a:rPr lang="en-US" smtClean="0"/>
-              <a:t>11/11/18</a:t>
+              <a:t>11/12/18</a:t>
             </a:fld>
             <a:endParaRPr lang="en-US"/>
           </a:p>
@@ -1815,7 +1815,7 @@
           <a:p>
             <a:fld id="{BC23C08D-2835-B649-8103-F422BF71E011}" type="datetimeFigureOut">
               <a:rPr lang="en-US" smtClean="0"/>
-              <a:t>11/11/18</a:t>
+              <a:t>11/12/18</a:t>
             </a:fld>
             <a:endParaRPr lang="en-US"/>
           </a:p>
@@ -1956,7 +1956,7 @@
           <a:p>
             <a:fld id="{BC23C08D-2835-B649-8103-F422BF71E011}" type="datetimeFigureOut">
               <a:rPr lang="en-US" smtClean="0"/>
-              <a:t>11/11/18</a:t>
+              <a:t>11/12/18</a:t>
             </a:fld>
             <a:endParaRPr lang="en-US"/>
           </a:p>
@@ -2069,7 +2069,7 @@
           <a:p>
             <a:fld id="{BC23C08D-2835-B649-8103-F422BF71E011}" type="datetimeFigureOut">
               <a:rPr lang="en-US" smtClean="0"/>
-              <a:t>11/11/18</a:t>
+              <a:t>11/12/18</a:t>
             </a:fld>
             <a:endParaRPr lang="en-US"/>
           </a:p>
@@ -2380,7 +2380,7 @@
           <a:p>
             <a:fld id="{BC23C08D-2835-B649-8103-F422BF71E011}" type="datetimeFigureOut">
               <a:rPr lang="en-US" smtClean="0"/>
-              <a:t>11/11/18</a:t>
+              <a:t>11/12/18</a:t>
             </a:fld>
             <a:endParaRPr lang="en-US"/>
           </a:p>
@@ -2668,7 +2668,7 @@
           <a:p>
             <a:fld id="{BC23C08D-2835-B649-8103-F422BF71E011}" type="datetimeFigureOut">
               <a:rPr lang="en-US" smtClean="0"/>
-              <a:t>11/11/18</a:t>
+              <a:t>11/12/18</a:t>
             </a:fld>
             <a:endParaRPr lang="en-US"/>
           </a:p>
@@ -2909,7 +2909,7 @@
           <a:p>
             <a:fld id="{BC23C08D-2835-B649-8103-F422BF71E011}" type="datetimeFigureOut">
               <a:rPr lang="en-US" smtClean="0"/>
-              <a:t>11/11/18</a:t>
+              <a:t>11/12/18</a:t>
             </a:fld>
             <a:endParaRPr lang="en-US"/>
           </a:p>
@@ -3340,8 +3340,8 @@
         </p:nvSpPr>
         <p:spPr>
           <a:xfrm>
-            <a:off x="9757894" y="1180307"/>
-            <a:ext cx="2005114" cy="4842324"/>
+            <a:off x="266928" y="490720"/>
+            <a:ext cx="2368420" cy="5876559"/>
           </a:xfrm>
           <a:prstGeom prst="roundRect">
             <a:avLst>
@@ -3407,8 +3407,8 @@
         </p:nvSpPr>
         <p:spPr>
           <a:xfrm>
-            <a:off x="7558899" y="1158247"/>
-            <a:ext cx="2005114" cy="4842324"/>
+            <a:off x="9851142" y="490721"/>
+            <a:ext cx="2005114" cy="5876557"/>
           </a:xfrm>
           <a:prstGeom prst="roundRect">
             <a:avLst>
@@ -3471,8 +3471,8 @@
         </p:nvSpPr>
         <p:spPr>
           <a:xfrm>
-            <a:off x="472307" y="1158247"/>
-            <a:ext cx="6954302" cy="4886445"/>
+            <a:off x="2764550" y="490722"/>
+            <a:ext cx="6954302" cy="5876558"/>
           </a:xfrm>
           <a:prstGeom prst="roundRect">
             <a:avLst>
@@ -3538,7 +3538,7 @@
         </p:nvSpPr>
         <p:spPr>
           <a:xfrm>
-            <a:off x="1271938" y="1587725"/>
+            <a:off x="3564181" y="920200"/>
             <a:ext cx="1455629" cy="346760"/>
           </a:xfrm>
           <a:prstGeom prst="rect">
@@ -3613,8 +3613,8 @@
         </p:nvCxnSpPr>
         <p:spPr>
           <a:xfrm flipH="1">
-            <a:off x="1982051" y="1934485"/>
-            <a:ext cx="17701" cy="4466257"/>
+            <a:off x="4291995" y="1266960"/>
+            <a:ext cx="1" cy="5270536"/>
           </a:xfrm>
           <a:prstGeom prst="line">
             <a:avLst/>
@@ -3656,7 +3656,7 @@
         </p:nvSpPr>
         <p:spPr>
           <a:xfrm>
-            <a:off x="1927745" y="2339967"/>
+            <a:off x="4219988" y="1672442"/>
             <a:ext cx="152400" cy="3420217"/>
           </a:xfrm>
           <a:prstGeom prst="rect">
@@ -3709,7 +3709,7 @@
         </p:nvSpPr>
         <p:spPr>
           <a:xfrm>
-            <a:off x="3342766" y="1420899"/>
+            <a:off x="5635009" y="753374"/>
             <a:ext cx="1621173" cy="467684"/>
           </a:xfrm>
           <a:prstGeom prst="rect">
@@ -3800,7 +3800,7 @@
         </p:nvCxnSpPr>
         <p:spPr>
           <a:xfrm>
-            <a:off x="4137158" y="1888583"/>
+            <a:off x="6429401" y="1221058"/>
             <a:ext cx="0" cy="2579755"/>
           </a:xfrm>
           <a:prstGeom prst="line">
@@ -3843,7 +3843,7 @@
         </p:nvSpPr>
         <p:spPr>
           <a:xfrm>
-            <a:off x="4065151" y="2447466"/>
+            <a:off x="6357394" y="1779941"/>
             <a:ext cx="154408" cy="1787652"/>
           </a:xfrm>
           <a:prstGeom prst="rect">
@@ -3904,8 +3904,8 @@
         </p:nvCxnSpPr>
         <p:spPr>
           <a:xfrm>
-            <a:off x="6736718" y="3486551"/>
-            <a:ext cx="0" cy="2783386"/>
+            <a:off x="9028961" y="2819026"/>
+            <a:ext cx="0" cy="3571151"/>
           </a:xfrm>
           <a:prstGeom prst="line">
             <a:avLst/>
@@ -3947,7 +3947,7 @@
         </p:nvSpPr>
         <p:spPr>
           <a:xfrm>
-            <a:off x="6660518" y="3486551"/>
+            <a:off x="8952761" y="2819026"/>
             <a:ext cx="152400" cy="276003"/>
           </a:xfrm>
           <a:prstGeom prst="rect">
@@ -4001,16 +4001,16 @@
           <p:nvPr/>
         </p:nvCxnSpPr>
         <p:spPr>
-          <a:xfrm>
-            <a:off x="319907" y="2339967"/>
-            <a:ext cx="1607838" cy="3688"/>
+          <a:xfrm flipV="1">
+            <a:off x="1851568" y="1676131"/>
+            <a:ext cx="2368420" cy="1751"/>
           </a:xfrm>
           <a:prstGeom prst="straightConnector1">
             <a:avLst/>
           </a:prstGeom>
           <a:ln w="19050">
             <a:solidFill>
-              <a:srgbClr val="00B050"/>
+              <a:schemeClr val="accent6"/>
             </a:solidFill>
             <a:tailEnd type="arrow"/>
           </a:ln>
@@ -4044,7 +4044,7 @@
         </p:nvSpPr>
         <p:spPr>
           <a:xfrm>
-            <a:off x="0" y="2423740"/>
+            <a:off x="2292243" y="1756215"/>
             <a:ext cx="1982768" cy="215444"/>
           </a:xfrm>
           <a:prstGeom prst="rect">
@@ -4102,7 +4102,7 @@
         </p:nvCxnSpPr>
         <p:spPr>
           <a:xfrm>
-            <a:off x="5771508" y="3273059"/>
+            <a:off x="8063751" y="2605534"/>
             <a:ext cx="421492" cy="1"/>
           </a:xfrm>
           <a:prstGeom prst="straightConnector1">
@@ -4144,7 +4144,7 @@
         </p:nvSpPr>
         <p:spPr>
           <a:xfrm>
-            <a:off x="3834548" y="4677787"/>
+            <a:off x="6126791" y="4010262"/>
             <a:ext cx="855809" cy="215444"/>
           </a:xfrm>
           <a:prstGeom prst="rect">
@@ -4192,7 +4192,7 @@
         </p:nvCxnSpPr>
         <p:spPr>
           <a:xfrm>
-            <a:off x="5771508" y="3756248"/>
+            <a:off x="8063751" y="3088723"/>
             <a:ext cx="965210" cy="0"/>
           </a:xfrm>
           <a:prstGeom prst="straightConnector1">
@@ -4238,7 +4238,7 @@
         </p:nvCxnSpPr>
         <p:spPr>
           <a:xfrm flipV="1">
-            <a:off x="2080145" y="4236188"/>
+            <a:off x="4372388" y="3568663"/>
             <a:ext cx="1982768" cy="12363"/>
           </a:xfrm>
           <a:prstGeom prst="straightConnector1">
@@ -4284,8 +4284,8 @@
         </p:nvCxnSpPr>
         <p:spPr>
           <a:xfrm>
-            <a:off x="167507" y="5760184"/>
-            <a:ext cx="1844291" cy="0"/>
+            <a:off x="1917333" y="5085531"/>
+            <a:ext cx="2368420" cy="7129"/>
           </a:xfrm>
           <a:prstGeom prst="straightConnector1">
             <a:avLst/>
@@ -4328,7 +4328,7 @@
         </p:nvSpPr>
         <p:spPr>
           <a:xfrm>
-            <a:off x="6661124" y="4604231"/>
+            <a:off x="8953367" y="3936706"/>
             <a:ext cx="161322" cy="1064149"/>
           </a:xfrm>
           <a:prstGeom prst="rect">
@@ -4381,7 +4381,7 @@
         </p:nvSpPr>
         <p:spPr>
           <a:xfrm>
-            <a:off x="2304553" y="1983202"/>
+            <a:off x="4596796" y="1315677"/>
             <a:ext cx="1712485" cy="430887"/>
           </a:xfrm>
           <a:prstGeom prst="rect">
@@ -4440,7 +4440,7 @@
         </p:nvSpPr>
         <p:spPr>
           <a:xfrm>
-            <a:off x="3925087" y="5377650"/>
+            <a:off x="6217330" y="4710125"/>
             <a:ext cx="621216" cy="215444"/>
           </a:xfrm>
           <a:prstGeom prst="rect">
@@ -4486,7 +4486,7 @@
         </p:nvSpPr>
         <p:spPr>
           <a:xfrm>
-            <a:off x="909161" y="5485372"/>
+            <a:off x="3201404" y="4817847"/>
             <a:ext cx="762000" cy="215444"/>
           </a:xfrm>
           <a:prstGeom prst="rect">
@@ -4532,7 +4532,7 @@
         </p:nvSpPr>
         <p:spPr>
           <a:xfrm>
-            <a:off x="3053298" y="3998858"/>
+            <a:off x="5345541" y="3331333"/>
             <a:ext cx="220343" cy="215444"/>
           </a:xfrm>
           <a:prstGeom prst="rect">
@@ -4578,7 +4578,7 @@
         </p:nvSpPr>
         <p:spPr>
           <a:xfrm>
-            <a:off x="6607516" y="6269937"/>
+            <a:off x="8899759" y="6390177"/>
             <a:ext cx="258404" cy="261610"/>
           </a:xfrm>
           <a:prstGeom prst="rect">
@@ -4617,7 +4617,7 @@
         </p:nvSpPr>
         <p:spPr>
           <a:xfrm>
-            <a:off x="6170612" y="3020987"/>
+            <a:off x="8462855" y="2353462"/>
             <a:ext cx="1093635" cy="461538"/>
           </a:xfrm>
           <a:prstGeom prst="rect">
@@ -4699,7 +4699,7 @@
         </p:nvCxnSpPr>
         <p:spPr>
           <a:xfrm>
-            <a:off x="1982768" y="4613946"/>
+            <a:off x="4275011" y="3946421"/>
             <a:ext cx="4686264" cy="0"/>
           </a:xfrm>
           <a:prstGeom prst="straightConnector1">
@@ -4743,7 +4743,7 @@
         </p:nvCxnSpPr>
         <p:spPr>
           <a:xfrm>
-            <a:off x="2080145" y="2447466"/>
+            <a:off x="4372388" y="1779941"/>
             <a:ext cx="1982768" cy="8997"/>
           </a:xfrm>
           <a:prstGeom prst="straightConnector1">
@@ -4787,7 +4787,7 @@
         </p:nvCxnSpPr>
         <p:spPr>
           <a:xfrm>
-            <a:off x="2080145" y="5666244"/>
+            <a:off x="4372388" y="4998719"/>
             <a:ext cx="4616316" cy="0"/>
           </a:xfrm>
           <a:prstGeom prst="straightConnector1">
@@ -4831,7 +4831,7 @@
         </p:nvSpPr>
         <p:spPr>
           <a:xfrm>
-            <a:off x="4737920" y="2228082"/>
+            <a:off x="7030163" y="1560557"/>
             <a:ext cx="1669034" cy="432035"/>
           </a:xfrm>
           <a:prstGeom prst="rect">
@@ -4920,7 +4920,7 @@
         </p:nvSpPr>
         <p:spPr>
           <a:xfrm>
-            <a:off x="5600864" y="2677493"/>
+            <a:off x="7893107" y="2009968"/>
             <a:ext cx="205843" cy="123165"/>
           </a:xfrm>
           <a:prstGeom prst="rect">
@@ -4975,7 +4975,7 @@
         </p:nvCxnSpPr>
         <p:spPr>
           <a:xfrm>
-            <a:off x="4212084" y="2462124"/>
+            <a:off x="6504327" y="1794599"/>
             <a:ext cx="524859" cy="2805"/>
           </a:xfrm>
           <a:prstGeom prst="straightConnector1">
@@ -5019,7 +5019,7 @@
         </p:nvCxnSpPr>
         <p:spPr>
           <a:xfrm flipV="1">
-            <a:off x="4209166" y="2795525"/>
+            <a:off x="6501409" y="2128000"/>
             <a:ext cx="1413025" cy="14566"/>
           </a:xfrm>
           <a:prstGeom prst="straightConnector1">
@@ -5066,7 +5066,7 @@
         </p:nvCxnSpPr>
         <p:spPr>
           <a:xfrm flipH="1">
-            <a:off x="5689913" y="2800658"/>
+            <a:off x="7982156" y="2133133"/>
             <a:ext cx="13873" cy="1733460"/>
           </a:xfrm>
           <a:prstGeom prst="line">
@@ -5109,7 +5109,7 @@
         </p:nvSpPr>
         <p:spPr>
           <a:xfrm>
-            <a:off x="5610186" y="3008941"/>
+            <a:off x="7902429" y="2341416"/>
             <a:ext cx="161322" cy="869855"/>
           </a:xfrm>
           <a:prstGeom prst="rect">
@@ -5164,7 +5164,7 @@
         </p:nvCxnSpPr>
         <p:spPr>
           <a:xfrm>
-            <a:off x="4216863" y="3029351"/>
+            <a:off x="6509106" y="2361826"/>
             <a:ext cx="1379111" cy="0"/>
           </a:xfrm>
           <a:prstGeom prst="straightConnector1">
@@ -5208,7 +5208,7 @@
         </p:nvCxnSpPr>
         <p:spPr>
           <a:xfrm>
-            <a:off x="4213061" y="3867551"/>
+            <a:off x="6505304" y="3200026"/>
             <a:ext cx="1382913" cy="0"/>
           </a:xfrm>
           <a:prstGeom prst="straightConnector1">
@@ -5252,7 +5252,7 @@
         </p:nvSpPr>
         <p:spPr>
           <a:xfrm>
-            <a:off x="4233771" y="3096947"/>
+            <a:off x="6526014" y="2429422"/>
             <a:ext cx="1338532" cy="215444"/>
           </a:xfrm>
           <a:prstGeom prst="rect">
@@ -5285,50 +5285,6 @@
           </a:p>
         </p:txBody>
       </p:sp>
-      <p:cxnSp>
-        <p:nvCxnSpPr>
-          <p:cNvPr id="41" name="Straight Arrow Connector 40">
-            <a:extLst>
-              <a:ext uri="{FF2B5EF4-FFF2-40B4-BE49-F238E27FC236}">
-                <a16:creationId xmlns:a16="http://schemas.microsoft.com/office/drawing/2014/main" id="{AEAB2763-C5C5-D345-BBD4-41305B2E33AC}"/>
-              </a:ext>
-            </a:extLst>
-          </p:cNvPr>
-          <p:cNvCxnSpPr>
-            <a:cxnSpLocks/>
-          </p:cNvCxnSpPr>
-          <p:nvPr/>
-        </p:nvCxnSpPr>
-        <p:spPr>
-          <a:xfrm flipV="1">
-            <a:off x="6717317" y="4864317"/>
-            <a:ext cx="1680677" cy="2"/>
-          </a:xfrm>
-          <a:prstGeom prst="straightConnector1">
-            <a:avLst/>
-          </a:prstGeom>
-          <a:ln w="19050">
-            <a:solidFill>
-              <a:srgbClr val="0070C0"/>
-            </a:solidFill>
-            <a:tailEnd type="arrow"/>
-          </a:ln>
-        </p:spPr>
-        <p:style>
-          <a:lnRef idx="1">
-            <a:schemeClr val="accent1"/>
-          </a:lnRef>
-          <a:fillRef idx="0">
-            <a:schemeClr val="accent1"/>
-          </a:fillRef>
-          <a:effectRef idx="0">
-            <a:schemeClr val="accent1"/>
-          </a:effectRef>
-          <a:fontRef idx="minor">
-            <a:schemeClr val="tx1"/>
-          </a:fontRef>
-        </p:style>
-      </p:cxnSp>
       <p:sp>
         <p:nvSpPr>
           <p:cNvPr id="42" name="Rectangle 41">
@@ -5343,7 +5299,7 @@
         </p:nvSpPr>
         <p:spPr>
           <a:xfrm>
-            <a:off x="7752780" y="1649610"/>
+            <a:off x="10045023" y="982085"/>
             <a:ext cx="1485061" cy="333592"/>
           </a:xfrm>
           <a:prstGeom prst="rect">
@@ -5407,7 +5363,7 @@
         </p:nvCxnSpPr>
         <p:spPr>
           <a:xfrm>
-            <a:off x="8495310" y="1934485"/>
+            <a:off x="10787553" y="1266960"/>
             <a:ext cx="0" cy="4335452"/>
           </a:xfrm>
           <a:prstGeom prst="line">
@@ -5450,8 +5406,8 @@
         </p:nvSpPr>
         <p:spPr>
           <a:xfrm>
-            <a:off x="8391819" y="4864317"/>
-            <a:ext cx="185934" cy="836496"/>
+            <a:off x="10684062" y="4196792"/>
+            <a:ext cx="185934" cy="2125552"/>
           </a:xfrm>
           <a:prstGeom prst="rect">
             <a:avLst/>
@@ -5504,7 +5460,7 @@
         </p:nvSpPr>
         <p:spPr>
           <a:xfrm>
-            <a:off x="8950977" y="4858206"/>
+            <a:off x="9227296" y="3915007"/>
             <a:ext cx="1338532" cy="215444"/>
           </a:xfrm>
           <a:prstGeom prst="rect">
@@ -5573,8 +5529,213 @@
         </p:nvCxnSpPr>
         <p:spPr>
           <a:xfrm>
-            <a:off x="8577753" y="5136305"/>
-            <a:ext cx="2089730" cy="0"/>
+            <a:off x="9105161" y="4196792"/>
+            <a:ext cx="1578901" cy="0"/>
+          </a:xfrm>
+          <a:prstGeom prst="straightConnector1">
+            <a:avLst/>
+          </a:prstGeom>
+          <a:ln w="19050">
+            <a:solidFill>
+              <a:schemeClr val="accent1"/>
+            </a:solidFill>
+            <a:tailEnd type="arrow"/>
+          </a:ln>
+        </p:spPr>
+        <p:style>
+          <a:lnRef idx="1">
+            <a:schemeClr val="accent1"/>
+          </a:lnRef>
+          <a:fillRef idx="0">
+            <a:schemeClr val="accent1"/>
+          </a:fillRef>
+          <a:effectRef idx="0">
+            <a:schemeClr val="accent1"/>
+          </a:effectRef>
+          <a:fontRef idx="minor">
+            <a:schemeClr val="tx1"/>
+          </a:fontRef>
+        </p:style>
+      </p:cxnSp>
+      <p:sp>
+        <p:nvSpPr>
+          <p:cNvPr id="48" name="Rectangle 47">
+            <a:extLst>
+              <a:ext uri="{FF2B5EF4-FFF2-40B4-BE49-F238E27FC236}">
+                <a16:creationId xmlns:a16="http://schemas.microsoft.com/office/drawing/2014/main" id="{891977C6-8AD8-6845-BB91-1789A5D6A9E4}"/>
+              </a:ext>
+            </a:extLst>
+          </p:cNvPr>
+          <p:cNvSpPr/>
+          <p:nvPr/>
+        </p:nvSpPr>
+        <p:spPr>
+          <a:xfrm>
+            <a:off x="596829" y="2366098"/>
+            <a:ext cx="1680677" cy="333592"/>
+          </a:xfrm>
+          <a:prstGeom prst="rect">
+            <a:avLst/>
+          </a:prstGeom>
+          <a:solidFill>
+            <a:schemeClr val="accent6"/>
+          </a:solidFill>
+          <a:ln>
+            <a:solidFill>
+              <a:schemeClr val="accent6"/>
+            </a:solidFill>
+          </a:ln>
+        </p:spPr>
+        <p:style>
+          <a:lnRef idx="2">
+            <a:schemeClr val="accent1">
+              <a:shade val="50000"/>
+            </a:schemeClr>
+          </a:lnRef>
+          <a:fillRef idx="1">
+            <a:schemeClr val="accent1"/>
+          </a:fillRef>
+          <a:effectRef idx="0">
+            <a:schemeClr val="accent1"/>
+          </a:effectRef>
+          <a:fontRef idx="minor">
+            <a:schemeClr val="lt1"/>
+          </a:fontRef>
+        </p:style>
+        <p:txBody>
+          <a:bodyPr rtlCol="0" anchor="ctr"/>
+          <a:lstStyle/>
+          <a:p>
+            <a:pPr algn="ctr"/>
+            <a:r>
+              <a:rPr lang="en-US" dirty="0"/>
+              <a:t>:</a:t>
+            </a:r>
+            <a:r>
+              <a:rPr lang="en-US" dirty="0" err="1"/>
+              <a:t>MainWindow</a:t>
+            </a:r>
+            <a:endParaRPr lang="en-US" dirty="0"/>
+          </a:p>
+        </p:txBody>
+      </p:sp>
+      <p:cxnSp>
+        <p:nvCxnSpPr>
+          <p:cNvPr id="49" name="Straight Connector 48">
+            <a:extLst>
+              <a:ext uri="{FF2B5EF4-FFF2-40B4-BE49-F238E27FC236}">
+                <a16:creationId xmlns:a16="http://schemas.microsoft.com/office/drawing/2014/main" id="{503CFC2E-4721-8A41-9FB0-353DF56208D6}"/>
+              </a:ext>
+            </a:extLst>
+          </p:cNvPr>
+          <p:cNvCxnSpPr>
+            <a:cxnSpLocks/>
+          </p:cNvCxnSpPr>
+          <p:nvPr/>
+        </p:nvCxnSpPr>
+        <p:spPr>
+          <a:xfrm>
+            <a:off x="1437167" y="2690121"/>
+            <a:ext cx="0" cy="3934169"/>
+          </a:xfrm>
+          <a:prstGeom prst="line">
+            <a:avLst/>
+          </a:prstGeom>
+          <a:ln w="19050">
+            <a:solidFill>
+              <a:schemeClr val="accent6"/>
+            </a:solidFill>
+            <a:prstDash val="sysDash"/>
+          </a:ln>
+          <a:effectLst/>
+        </p:spPr>
+        <p:style>
+          <a:lnRef idx="1">
+            <a:schemeClr val="accent1"/>
+          </a:lnRef>
+          <a:fillRef idx="2">
+            <a:schemeClr val="accent1"/>
+          </a:fillRef>
+          <a:effectRef idx="1">
+            <a:schemeClr val="accent1"/>
+          </a:effectRef>
+          <a:fontRef idx="minor">
+            <a:schemeClr val="dk1"/>
+          </a:fontRef>
+        </p:style>
+      </p:cxnSp>
+      <p:sp>
+        <p:nvSpPr>
+          <p:cNvPr id="50" name="Rectangle 49">
+            <a:extLst>
+              <a:ext uri="{FF2B5EF4-FFF2-40B4-BE49-F238E27FC236}">
+                <a16:creationId xmlns:a16="http://schemas.microsoft.com/office/drawing/2014/main" id="{9910C73E-9588-D14D-AC48-DC7E812AFF92}"/>
+              </a:ext>
+            </a:extLst>
+          </p:cNvPr>
+          <p:cNvSpPr/>
+          <p:nvPr/>
+        </p:nvSpPr>
+        <p:spPr>
+          <a:xfrm>
+            <a:off x="1344200" y="5365962"/>
+            <a:ext cx="185934" cy="878049"/>
+          </a:xfrm>
+          <a:prstGeom prst="rect">
+            <a:avLst/>
+          </a:prstGeom>
+          <a:solidFill>
+            <a:schemeClr val="accent6"/>
+          </a:solidFill>
+          <a:ln>
+            <a:solidFill>
+              <a:schemeClr val="accent6"/>
+            </a:solidFill>
+          </a:ln>
+        </p:spPr>
+        <p:style>
+          <a:lnRef idx="2">
+            <a:schemeClr val="accent1">
+              <a:shade val="50000"/>
+            </a:schemeClr>
+          </a:lnRef>
+          <a:fillRef idx="1">
+            <a:schemeClr val="accent1"/>
+          </a:fillRef>
+          <a:effectRef idx="0">
+            <a:schemeClr val="accent1"/>
+          </a:effectRef>
+          <a:fontRef idx="minor">
+            <a:schemeClr val="lt1"/>
+          </a:fontRef>
+        </p:style>
+        <p:txBody>
+          <a:bodyPr rtlCol="0" anchor="ctr"/>
+          <a:lstStyle/>
+          <a:p>
+            <a:pPr algn="ctr"/>
+            <a:endParaRPr lang="en-US" dirty="0"/>
+          </a:p>
+        </p:txBody>
+      </p:sp>
+      <p:cxnSp>
+        <p:nvCxnSpPr>
+          <p:cNvPr id="51" name="Straight Arrow Connector 50">
+            <a:extLst>
+              <a:ext uri="{FF2B5EF4-FFF2-40B4-BE49-F238E27FC236}">
+                <a16:creationId xmlns:a16="http://schemas.microsoft.com/office/drawing/2014/main" id="{F68490D5-F025-7C4D-8D59-FFDED45E5907}"/>
+              </a:ext>
+            </a:extLst>
+          </p:cNvPr>
+          <p:cNvCxnSpPr>
+            <a:cxnSpLocks/>
+          </p:cNvCxnSpPr>
+          <p:nvPr/>
+        </p:nvCxnSpPr>
+        <p:spPr>
+          <a:xfrm flipH="1" flipV="1">
+            <a:off x="1530134" y="5382574"/>
+            <a:ext cx="9161421" cy="7129"/>
           </a:xfrm>
           <a:prstGeom prst="straightConnector1">
             <a:avLst/>
@@ -5603,10 +5764,10 @@
       </p:cxnSp>
       <p:sp>
         <p:nvSpPr>
-          <p:cNvPr id="47" name="TextBox 46">
-            <a:extLst>
-              <a:ext uri="{FF2B5EF4-FFF2-40B4-BE49-F238E27FC236}">
-                <a16:creationId xmlns:a16="http://schemas.microsoft.com/office/drawing/2014/main" id="{A67FAE44-2511-6744-B339-D410BD9A990F}"/>
+          <p:cNvPr id="52" name="TextBox 51">
+            <a:extLst>
+              <a:ext uri="{FF2B5EF4-FFF2-40B4-BE49-F238E27FC236}">
+                <a16:creationId xmlns:a16="http://schemas.microsoft.com/office/drawing/2014/main" id="{865533FB-27DF-8841-902B-C60F59F5D6EC}"/>
               </a:ext>
             </a:extLst>
           </p:cNvPr>
@@ -5615,13 +5776,16 @@
         </p:nvSpPr>
         <p:spPr>
           <a:xfrm>
-            <a:off x="6912818" y="4593749"/>
-            <a:ext cx="1272713" cy="215444"/>
+            <a:off x="5698638" y="5472816"/>
+            <a:ext cx="1839009" cy="215444"/>
           </a:xfrm>
           <a:prstGeom prst="rect">
             <a:avLst/>
           </a:prstGeom>
           <a:noFill/>
+          <a:ln>
+            <a:noFill/>
+          </a:ln>
         </p:spPr>
         <p:txBody>
           <a:bodyPr wrap="square" lIns="0" tIns="0" rIns="0" bIns="0" rtlCol="0">
@@ -5640,284 +5804,74 @@
             </a:lvl1pPr>
           </a:lstStyle>
           <a:p>
-            <a:r>
-              <a:rPr lang="en-US" dirty="0" err="1"/>
-              <a:t>GoToEvent</a:t>
-            </a:r>
-            <a:r>
-              <a:rPr lang="en-US" dirty="0"/>
-              <a:t>(1, 1)</a:t>
-            </a:r>
-          </a:p>
-        </p:txBody>
-      </p:sp>
-      <p:sp>
-        <p:nvSpPr>
-          <p:cNvPr id="48" name="Rectangle 47">
-            <a:extLst>
-              <a:ext uri="{FF2B5EF4-FFF2-40B4-BE49-F238E27FC236}">
-                <a16:creationId xmlns:a16="http://schemas.microsoft.com/office/drawing/2014/main" id="{891977C6-8AD8-6845-BB91-1789A5D6A9E4}"/>
-              </a:ext>
-            </a:extLst>
-          </p:cNvPr>
-          <p:cNvSpPr/>
+            <a:pPr algn="ctr"/>
+            <a:r>
+              <a:rPr lang="en-US" dirty="0" err="1">
+                <a:solidFill>
+                  <a:schemeClr val="accent6"/>
+                </a:solidFill>
+              </a:rPr>
+              <a:t>handleGoToEvent</a:t>
+            </a:r>
+            <a:r>
+              <a:rPr lang="en-US" dirty="0">
+                <a:solidFill>
+                  <a:schemeClr val="accent6"/>
+                </a:solidFill>
+              </a:rPr>
+              <a:t>(event)</a:t>
+            </a:r>
+          </a:p>
+        </p:txBody>
+      </p:sp>
+      <p:cxnSp>
+        <p:nvCxnSpPr>
+          <p:cNvPr id="63" name="Straight Arrow Connector 62">
+            <a:extLst>
+              <a:ext uri="{FF2B5EF4-FFF2-40B4-BE49-F238E27FC236}">
+                <a16:creationId xmlns:a16="http://schemas.microsoft.com/office/drawing/2014/main" id="{CC75B25E-77B0-4840-9E9C-9F9E13B8C0F2}"/>
+              </a:ext>
+            </a:extLst>
+          </p:cNvPr>
+          <p:cNvCxnSpPr>
+            <a:cxnSpLocks/>
+            <a:endCxn id="50" idx="2"/>
+          </p:cNvCxnSpPr>
           <p:nvPr/>
-        </p:nvSpPr>
-        <p:spPr>
-          <a:xfrm>
-            <a:off x="9920112" y="1649610"/>
-            <a:ext cx="1680677" cy="333592"/>
-          </a:xfrm>
-          <a:prstGeom prst="rect">
+        </p:nvCxnSpPr>
+        <p:spPr>
+          <a:xfrm flipH="1">
+            <a:off x="1437167" y="6231528"/>
+            <a:ext cx="9246895" cy="12483"/>
+          </a:xfrm>
+          <a:prstGeom prst="straightConnector1">
             <a:avLst/>
           </a:prstGeom>
-          <a:solidFill>
-            <a:schemeClr val="accent6"/>
-          </a:solidFill>
-          <a:ln>
+          <a:ln w="19050" cap="flat" cmpd="sng" algn="ctr">
             <a:solidFill>
               <a:schemeClr val="accent6"/>
             </a:solidFill>
+            <a:prstDash val="dash"/>
+            <a:round/>
+            <a:headEnd type="arrow" w="med" len="med"/>
+            <a:tailEnd type="none" w="med" len="med"/>
           </a:ln>
         </p:spPr>
         <p:style>
-          <a:lnRef idx="2">
-            <a:schemeClr val="accent1">
-              <a:shade val="50000"/>
-            </a:schemeClr>
+          <a:lnRef idx="0">
+            <a:scrgbClr r="0" g="0" b="0"/>
           </a:lnRef>
-          <a:fillRef idx="1">
-            <a:schemeClr val="accent1"/>
+          <a:fillRef idx="0">
+            <a:scrgbClr r="0" g="0" b="0"/>
           </a:fillRef>
           <a:effectRef idx="0">
-            <a:schemeClr val="accent1"/>
-          </a:effectRef>
-          <a:fontRef idx="minor">
-            <a:schemeClr val="lt1"/>
-          </a:fontRef>
-        </p:style>
-        <p:txBody>
-          <a:bodyPr rtlCol="0" anchor="ctr"/>
-          <a:lstStyle/>
-          <a:p>
-            <a:pPr algn="ctr"/>
-            <a:r>
-              <a:rPr lang="en-US" dirty="0"/>
-              <a:t>:</a:t>
-            </a:r>
-            <a:r>
-              <a:rPr lang="en-US" dirty="0" err="1"/>
-              <a:t>MainWindow</a:t>
-            </a:r>
-            <a:endParaRPr lang="en-US" dirty="0"/>
-          </a:p>
-        </p:txBody>
-      </p:sp>
-      <p:cxnSp>
-        <p:nvCxnSpPr>
-          <p:cNvPr id="49" name="Straight Connector 48">
-            <a:extLst>
-              <a:ext uri="{FF2B5EF4-FFF2-40B4-BE49-F238E27FC236}">
-                <a16:creationId xmlns:a16="http://schemas.microsoft.com/office/drawing/2014/main" id="{503CFC2E-4721-8A41-9FB0-353DF56208D6}"/>
-              </a:ext>
-            </a:extLst>
-          </p:cNvPr>
-          <p:cNvCxnSpPr>
-            <a:cxnSpLocks/>
-          </p:cNvCxnSpPr>
-          <p:nvPr/>
-        </p:nvCxnSpPr>
-        <p:spPr>
-          <a:xfrm>
-            <a:off x="10760450" y="1973633"/>
-            <a:ext cx="0" cy="4335452"/>
-          </a:xfrm>
-          <a:prstGeom prst="line">
-            <a:avLst/>
-          </a:prstGeom>
-          <a:ln w="19050">
-            <a:solidFill>
-              <a:schemeClr val="accent6"/>
-            </a:solidFill>
-            <a:prstDash val="sysDash"/>
-          </a:ln>
-          <a:effectLst/>
-        </p:spPr>
-        <p:style>
-          <a:lnRef idx="1">
-            <a:schemeClr val="accent1"/>
-          </a:lnRef>
-          <a:fillRef idx="2">
-            <a:schemeClr val="accent1"/>
-          </a:fillRef>
-          <a:effectRef idx="1">
-            <a:schemeClr val="accent1"/>
-          </a:effectRef>
-          <a:fontRef idx="minor">
-            <a:schemeClr val="dk1"/>
-          </a:fontRef>
-        </p:style>
-      </p:cxnSp>
-      <p:sp>
-        <p:nvSpPr>
-          <p:cNvPr id="50" name="Rectangle 49">
-            <a:extLst>
-              <a:ext uri="{FF2B5EF4-FFF2-40B4-BE49-F238E27FC236}">
-                <a16:creationId xmlns:a16="http://schemas.microsoft.com/office/drawing/2014/main" id="{9910C73E-9588-D14D-AC48-DC7E812AFF92}"/>
-              </a:ext>
-            </a:extLst>
-          </p:cNvPr>
-          <p:cNvSpPr/>
-          <p:nvPr/>
-        </p:nvSpPr>
-        <p:spPr>
-          <a:xfrm>
-            <a:off x="10667483" y="5136305"/>
-            <a:ext cx="185934" cy="820738"/>
-          </a:xfrm>
-          <a:prstGeom prst="rect">
-            <a:avLst/>
-          </a:prstGeom>
-          <a:solidFill>
-            <a:schemeClr val="accent6"/>
-          </a:solidFill>
-          <a:ln>
-            <a:solidFill>
-              <a:schemeClr val="accent6"/>
-            </a:solidFill>
-          </a:ln>
-        </p:spPr>
-        <p:style>
-          <a:lnRef idx="2">
-            <a:schemeClr val="accent1">
-              <a:shade val="50000"/>
-            </a:schemeClr>
-          </a:lnRef>
-          <a:fillRef idx="1">
-            <a:schemeClr val="accent1"/>
-          </a:fillRef>
-          <a:effectRef idx="0">
-            <a:schemeClr val="accent1"/>
-          </a:effectRef>
-          <a:fontRef idx="minor">
-            <a:schemeClr val="lt1"/>
-          </a:fontRef>
-        </p:style>
-        <p:txBody>
-          <a:bodyPr rtlCol="0" anchor="ctr"/>
-          <a:lstStyle/>
-          <a:p>
-            <a:pPr algn="ctr"/>
-            <a:endParaRPr lang="en-US" dirty="0"/>
-          </a:p>
-        </p:txBody>
-      </p:sp>
-      <p:cxnSp>
-        <p:nvCxnSpPr>
-          <p:cNvPr id="51" name="Straight Arrow Connector 50">
-            <a:extLst>
-              <a:ext uri="{FF2B5EF4-FFF2-40B4-BE49-F238E27FC236}">
-                <a16:creationId xmlns:a16="http://schemas.microsoft.com/office/drawing/2014/main" id="{F68490D5-F025-7C4D-8D59-FFDED45E5907}"/>
-              </a:ext>
-            </a:extLst>
-          </p:cNvPr>
-          <p:cNvCxnSpPr>
-            <a:cxnSpLocks/>
-          </p:cNvCxnSpPr>
-          <p:nvPr/>
-        </p:nvCxnSpPr>
-        <p:spPr>
-          <a:xfrm>
-            <a:off x="10718143" y="5282565"/>
-            <a:ext cx="2193157" cy="0"/>
-          </a:xfrm>
-          <a:prstGeom prst="straightConnector1">
-            <a:avLst/>
-          </a:prstGeom>
-          <a:ln w="19050">
-            <a:solidFill>
-              <a:schemeClr val="accent6"/>
-            </a:solidFill>
-            <a:tailEnd type="arrow"/>
-          </a:ln>
-        </p:spPr>
-        <p:style>
-          <a:lnRef idx="1">
-            <a:schemeClr val="accent1"/>
-          </a:lnRef>
-          <a:fillRef idx="0">
-            <a:schemeClr val="accent1"/>
-          </a:fillRef>
-          <a:effectRef idx="0">
-            <a:schemeClr val="accent1"/>
+            <a:scrgbClr r="0" g="0" b="0"/>
           </a:effectRef>
           <a:fontRef idx="minor">
             <a:schemeClr val="tx1"/>
           </a:fontRef>
         </p:style>
       </p:cxnSp>
-      <p:sp>
-        <p:nvSpPr>
-          <p:cNvPr id="52" name="TextBox 51">
-            <a:extLst>
-              <a:ext uri="{FF2B5EF4-FFF2-40B4-BE49-F238E27FC236}">
-                <a16:creationId xmlns:a16="http://schemas.microsoft.com/office/drawing/2014/main" id="{865533FB-27DF-8841-902B-C60F59F5D6EC}"/>
-              </a:ext>
-            </a:extLst>
-          </p:cNvPr>
-          <p:cNvSpPr txBox="1"/>
-          <p:nvPr/>
-        </p:nvSpPr>
-        <p:spPr>
-          <a:xfrm>
-            <a:off x="11010561" y="4996111"/>
-            <a:ext cx="1839009" cy="215444"/>
-          </a:xfrm>
-          <a:prstGeom prst="rect">
-            <a:avLst/>
-          </a:prstGeom>
-          <a:noFill/>
-          <a:ln>
-            <a:noFill/>
-          </a:ln>
-        </p:spPr>
-        <p:txBody>
-          <a:bodyPr wrap="square" lIns="0" tIns="0" rIns="0" bIns="0" rtlCol="0">
-            <a:spAutoFit/>
-          </a:bodyPr>
-          <a:lstStyle>
-            <a:defPPr>
-              <a:defRPr lang="en-US"/>
-            </a:defPPr>
-            <a:lvl1pPr algn="r">
-              <a:defRPr sz="1400">
-                <a:solidFill>
-                  <a:srgbClr val="0070C0"/>
-                </a:solidFill>
-              </a:defRPr>
-            </a:lvl1pPr>
-          </a:lstStyle>
-          <a:p>
-            <a:pPr algn="ctr"/>
-            <a:r>
-              <a:rPr lang="en-US" dirty="0" err="1">
-                <a:solidFill>
-                  <a:schemeClr val="accent6"/>
-                </a:solidFill>
-              </a:rPr>
-              <a:t>handleGoToEvent</a:t>
-            </a:r>
-            <a:r>
-              <a:rPr lang="en-US" dirty="0">
-                <a:solidFill>
-                  <a:schemeClr val="accent6"/>
-                </a:solidFill>
-              </a:rPr>
-              <a:t>(event)</a:t>
-            </a:r>
-          </a:p>
-        </p:txBody>
-      </p:sp>
     </p:spTree>
     <p:extLst>
       <p:ext uri="{BB962C8B-B14F-4D97-AF65-F5344CB8AC3E}">

--- a/docs/diagrams/GoToSequenceDiagram.pptx
+++ b/docs/diagrams/GoToSequenceDiagram.pptx
@@ -3447,7 +3447,7 @@
                   <a:srgbClr val="30869C"/>
                 </a:solidFill>
               </a:rPr>
-              <a:t>Common</a:t>
+              <a:t>Commons</a:t>
             </a:r>
             <a:endParaRPr lang="en-SG" sz="1200" b="1" dirty="0">
               <a:solidFill>
